--- a/english/parent.pptx
+++ b/english/parent.pptx
@@ -9,7 +9,7 @@
     <p:sldId id="256" r:id="rId3"/>
     <p:sldId id="258" r:id="rId4"/>
   </p:sldIdLst>
-  <p:sldSz cx="9144000" cy="6858000" type="screen4x3"/>
+  <p:sldSz cx="9144000" cy="5143500" type="screen16x9"/>
   <p:notesSz cx="6858000" cy="9144000"/>
   <p:defaultTextStyle>
     <a:defPPr>
@@ -138,8 +138,8 @@
         </p:nvSpPr>
         <p:spPr>
           <a:xfrm>
-            <a:off x="685800" y="2130425"/>
-            <a:ext cx="7772400" cy="1470025"/>
+            <a:off x="685800" y="1597819"/>
+            <a:ext cx="7772400" cy="1102519"/>
           </a:xfrm>
         </p:spPr>
         <p:txBody>
@@ -166,8 +166,8 @@
         </p:nvSpPr>
         <p:spPr>
           <a:xfrm>
-            <a:off x="1371600" y="3886200"/>
-            <a:ext cx="6400800" cy="1752600"/>
+            <a:off x="1371600" y="2914650"/>
+            <a:ext cx="6400800" cy="1314450"/>
           </a:xfrm>
         </p:spPr>
         <p:txBody>
@@ -291,7 +291,7 @@
             <a:fld id="{4F8C72AF-E107-407F-9C08-BA9C362B260D}" type="datetimeFigureOut">
               <a:rPr lang="zh-TW" altLang="en-US" smtClean="0"/>
               <a:pPr/>
-              <a:t>2018/5/10</a:t>
+              <a:t>2020/5/28</a:t>
             </a:fld>
             <a:endParaRPr lang="zh-TW" altLang="en-US"/>
           </a:p>
@@ -458,7 +458,7 @@
             <a:fld id="{4F8C72AF-E107-407F-9C08-BA9C362B260D}" type="datetimeFigureOut">
               <a:rPr lang="zh-TW" altLang="en-US" smtClean="0"/>
               <a:pPr/>
-              <a:t>2018/5/10</a:t>
+              <a:t>2020/5/28</a:t>
             </a:fld>
             <a:endParaRPr lang="zh-TW" altLang="en-US"/>
           </a:p>
@@ -544,8 +544,8 @@
         </p:nvSpPr>
         <p:spPr>
           <a:xfrm>
-            <a:off x="6629400" y="274638"/>
-            <a:ext cx="2057400" cy="5851525"/>
+            <a:off x="6629400" y="205979"/>
+            <a:ext cx="2057400" cy="4388644"/>
           </a:xfrm>
         </p:spPr>
         <p:txBody>
@@ -572,8 +572,8 @@
         </p:nvSpPr>
         <p:spPr>
           <a:xfrm>
-            <a:off x="457200" y="274638"/>
-            <a:ext cx="6019800" cy="5851525"/>
+            <a:off x="457200" y="205979"/>
+            <a:ext cx="6019800" cy="4388644"/>
           </a:xfrm>
         </p:spPr>
         <p:txBody>
@@ -635,7 +635,7 @@
             <a:fld id="{4F8C72AF-E107-407F-9C08-BA9C362B260D}" type="datetimeFigureOut">
               <a:rPr lang="zh-TW" altLang="en-US" smtClean="0"/>
               <a:pPr/>
-              <a:t>2018/5/10</a:t>
+              <a:t>2020/5/28</a:t>
             </a:fld>
             <a:endParaRPr lang="zh-TW" altLang="en-US"/>
           </a:p>
@@ -802,7 +802,7 @@
             <a:fld id="{4F8C72AF-E107-407F-9C08-BA9C362B260D}" type="datetimeFigureOut">
               <a:rPr lang="zh-TW" altLang="en-US" smtClean="0"/>
               <a:pPr/>
-              <a:t>2018/5/10</a:t>
+              <a:t>2020/5/28</a:t>
             </a:fld>
             <a:endParaRPr lang="zh-TW" altLang="en-US"/>
           </a:p>
@@ -888,8 +888,8 @@
         </p:nvSpPr>
         <p:spPr>
           <a:xfrm>
-            <a:off x="722313" y="4406900"/>
-            <a:ext cx="7772400" cy="1362075"/>
+            <a:off x="722313" y="3305176"/>
+            <a:ext cx="7772400" cy="1021556"/>
           </a:xfrm>
         </p:spPr>
         <p:txBody>
@@ -920,8 +920,8 @@
         </p:nvSpPr>
         <p:spPr>
           <a:xfrm>
-            <a:off x="722313" y="2906713"/>
-            <a:ext cx="7772400" cy="1500187"/>
+            <a:off x="722313" y="2180035"/>
+            <a:ext cx="7772400" cy="1125140"/>
           </a:xfrm>
         </p:spPr>
         <p:txBody>
@@ -1045,7 +1045,7 @@
             <a:fld id="{4F8C72AF-E107-407F-9C08-BA9C362B260D}" type="datetimeFigureOut">
               <a:rPr lang="zh-TW" altLang="en-US" smtClean="0"/>
               <a:pPr/>
-              <a:t>2018/5/10</a:t>
+              <a:t>2020/5/28</a:t>
             </a:fld>
             <a:endParaRPr lang="zh-TW" altLang="en-US"/>
           </a:p>
@@ -1154,8 +1154,8 @@
         </p:nvSpPr>
         <p:spPr>
           <a:xfrm>
-            <a:off x="457200" y="1600200"/>
-            <a:ext cx="4038600" cy="4525963"/>
+            <a:off x="457200" y="1200151"/>
+            <a:ext cx="4038600" cy="3394472"/>
           </a:xfrm>
         </p:spPr>
         <p:txBody>
@@ -1239,8 +1239,8 @@
         </p:nvSpPr>
         <p:spPr>
           <a:xfrm>
-            <a:off x="4648200" y="1600200"/>
-            <a:ext cx="4038600" cy="4525963"/>
+            <a:off x="4648200" y="1200151"/>
+            <a:ext cx="4038600" cy="3394472"/>
           </a:xfrm>
         </p:spPr>
         <p:txBody>
@@ -1330,7 +1330,7 @@
             <a:fld id="{4F8C72AF-E107-407F-9C08-BA9C362B260D}" type="datetimeFigureOut">
               <a:rPr lang="zh-TW" altLang="en-US" smtClean="0"/>
               <a:pPr/>
-              <a:t>2018/5/10</a:t>
+              <a:t>2020/5/28</a:t>
             </a:fld>
             <a:endParaRPr lang="zh-TW" altLang="en-US"/>
           </a:p>
@@ -1443,8 +1443,8 @@
         </p:nvSpPr>
         <p:spPr>
           <a:xfrm>
-            <a:off x="457200" y="1535113"/>
-            <a:ext cx="4040188" cy="639762"/>
+            <a:off x="457200" y="1151335"/>
+            <a:ext cx="4040188" cy="479822"/>
           </a:xfrm>
         </p:spPr>
         <p:txBody>
@@ -1508,8 +1508,8 @@
         </p:nvSpPr>
         <p:spPr>
           <a:xfrm>
-            <a:off x="457200" y="2174875"/>
-            <a:ext cx="4040188" cy="3951288"/>
+            <a:off x="457200" y="1631156"/>
+            <a:ext cx="4040188" cy="2963466"/>
           </a:xfrm>
         </p:spPr>
         <p:txBody>
@@ -1593,8 +1593,8 @@
         </p:nvSpPr>
         <p:spPr>
           <a:xfrm>
-            <a:off x="4645025" y="1535113"/>
-            <a:ext cx="4041775" cy="639762"/>
+            <a:off x="4645026" y="1151335"/>
+            <a:ext cx="4041775" cy="479822"/>
           </a:xfrm>
         </p:spPr>
         <p:txBody>
@@ -1658,8 +1658,8 @@
         </p:nvSpPr>
         <p:spPr>
           <a:xfrm>
-            <a:off x="4645025" y="2174875"/>
-            <a:ext cx="4041775" cy="3951288"/>
+            <a:off x="4645026" y="1631156"/>
+            <a:ext cx="4041775" cy="2963466"/>
           </a:xfrm>
         </p:spPr>
         <p:txBody>
@@ -1749,7 +1749,7 @@
             <a:fld id="{4F8C72AF-E107-407F-9C08-BA9C362B260D}" type="datetimeFigureOut">
               <a:rPr lang="zh-TW" altLang="en-US" smtClean="0"/>
               <a:pPr/>
-              <a:t>2018/5/10</a:t>
+              <a:t>2020/5/28</a:t>
             </a:fld>
             <a:endParaRPr lang="zh-TW" altLang="en-US"/>
           </a:p>
@@ -1864,7 +1864,7 @@
             <a:fld id="{4F8C72AF-E107-407F-9C08-BA9C362B260D}" type="datetimeFigureOut">
               <a:rPr lang="zh-TW" altLang="en-US" smtClean="0"/>
               <a:pPr/>
-              <a:t>2018/5/10</a:t>
+              <a:t>2020/5/28</a:t>
             </a:fld>
             <a:endParaRPr lang="zh-TW" altLang="en-US"/>
           </a:p>
@@ -1956,7 +1956,7 @@
             <a:fld id="{4F8C72AF-E107-407F-9C08-BA9C362B260D}" type="datetimeFigureOut">
               <a:rPr lang="zh-TW" altLang="en-US" smtClean="0"/>
               <a:pPr/>
-              <a:t>2018/5/10</a:t>
+              <a:t>2020/5/28</a:t>
             </a:fld>
             <a:endParaRPr lang="zh-TW" altLang="en-US"/>
           </a:p>
@@ -2042,8 +2042,8 @@
         </p:nvSpPr>
         <p:spPr>
           <a:xfrm>
-            <a:off x="457200" y="273050"/>
-            <a:ext cx="3008313" cy="1162050"/>
+            <a:off x="457201" y="204787"/>
+            <a:ext cx="3008313" cy="871538"/>
           </a:xfrm>
         </p:spPr>
         <p:txBody>
@@ -2074,8 +2074,8 @@
         </p:nvSpPr>
         <p:spPr>
           <a:xfrm>
-            <a:off x="3575050" y="273050"/>
-            <a:ext cx="5111750" cy="5853113"/>
+            <a:off x="3575050" y="204788"/>
+            <a:ext cx="5111750" cy="4389835"/>
           </a:xfrm>
         </p:spPr>
         <p:txBody>
@@ -2159,8 +2159,8 @@
         </p:nvSpPr>
         <p:spPr>
           <a:xfrm>
-            <a:off x="457200" y="1435100"/>
-            <a:ext cx="3008313" cy="4691063"/>
+            <a:off x="457201" y="1076326"/>
+            <a:ext cx="3008313" cy="3518297"/>
           </a:xfrm>
         </p:spPr>
         <p:txBody>
@@ -2230,7 +2230,7 @@
             <a:fld id="{4F8C72AF-E107-407F-9C08-BA9C362B260D}" type="datetimeFigureOut">
               <a:rPr lang="zh-TW" altLang="en-US" smtClean="0"/>
               <a:pPr/>
-              <a:t>2018/5/10</a:t>
+              <a:t>2020/5/28</a:t>
             </a:fld>
             <a:endParaRPr lang="zh-TW" altLang="en-US"/>
           </a:p>
@@ -2316,8 +2316,8 @@
         </p:nvSpPr>
         <p:spPr>
           <a:xfrm>
-            <a:off x="1792288" y="4800600"/>
-            <a:ext cx="5486400" cy="566738"/>
+            <a:off x="1792288" y="3600450"/>
+            <a:ext cx="5486400" cy="425054"/>
           </a:xfrm>
         </p:spPr>
         <p:txBody>
@@ -2348,8 +2348,8 @@
         </p:nvSpPr>
         <p:spPr>
           <a:xfrm>
-            <a:off x="1792288" y="612775"/>
-            <a:ext cx="5486400" cy="4114800"/>
+            <a:off x="1792288" y="459581"/>
+            <a:ext cx="5486400" cy="3086100"/>
           </a:xfrm>
         </p:spPr>
         <p:txBody>
@@ -2409,8 +2409,8 @@
         </p:nvSpPr>
         <p:spPr>
           <a:xfrm>
-            <a:off x="1792288" y="5367338"/>
-            <a:ext cx="5486400" cy="804862"/>
+            <a:off x="1792288" y="4025503"/>
+            <a:ext cx="5486400" cy="603647"/>
           </a:xfrm>
         </p:spPr>
         <p:txBody>
@@ -2480,7 +2480,7 @@
             <a:fld id="{4F8C72AF-E107-407F-9C08-BA9C362B260D}" type="datetimeFigureOut">
               <a:rPr lang="zh-TW" altLang="en-US" smtClean="0"/>
               <a:pPr/>
-              <a:t>2018/5/10</a:t>
+              <a:t>2020/5/28</a:t>
             </a:fld>
             <a:endParaRPr lang="zh-TW" altLang="en-US"/>
           </a:p>
@@ -2571,8 +2571,8 @@
         </p:nvSpPr>
         <p:spPr>
           <a:xfrm>
-            <a:off x="457200" y="274638"/>
-            <a:ext cx="8229600" cy="1143000"/>
+            <a:off x="457200" y="205978"/>
+            <a:ext cx="8229600" cy="857250"/>
           </a:xfrm>
           <a:prstGeom prst="rect">
             <a:avLst/>
@@ -2604,8 +2604,8 @@
         </p:nvSpPr>
         <p:spPr>
           <a:xfrm>
-            <a:off x="457200" y="1600200"/>
-            <a:ext cx="8229600" cy="4525963"/>
+            <a:off x="457200" y="1200151"/>
+            <a:ext cx="8229600" cy="3394472"/>
           </a:xfrm>
           <a:prstGeom prst="rect">
             <a:avLst/>
@@ -2666,8 +2666,8 @@
         </p:nvSpPr>
         <p:spPr>
           <a:xfrm>
-            <a:off x="457200" y="6356350"/>
-            <a:ext cx="2133600" cy="365125"/>
+            <a:off x="457200" y="4767263"/>
+            <a:ext cx="2133600" cy="273844"/>
           </a:xfrm>
           <a:prstGeom prst="rect">
             <a:avLst/>
@@ -2690,7 +2690,7 @@
             <a:fld id="{4F8C72AF-E107-407F-9C08-BA9C362B260D}" type="datetimeFigureOut">
               <a:rPr lang="zh-TW" altLang="en-US" smtClean="0"/>
               <a:pPr/>
-              <a:t>2018/5/10</a:t>
+              <a:t>2020/5/28</a:t>
             </a:fld>
             <a:endParaRPr lang="zh-TW" altLang="en-US"/>
           </a:p>
@@ -2708,8 +2708,8 @@
         </p:nvSpPr>
         <p:spPr>
           <a:xfrm>
-            <a:off x="3124200" y="6356350"/>
-            <a:ext cx="2895600" cy="365125"/>
+            <a:off x="3124200" y="4767263"/>
+            <a:ext cx="2895600" cy="273844"/>
           </a:xfrm>
           <a:prstGeom prst="rect">
             <a:avLst/>
@@ -2745,8 +2745,8 @@
         </p:nvSpPr>
         <p:spPr>
           <a:xfrm>
-            <a:off x="6553200" y="6356350"/>
-            <a:ext cx="2133600" cy="365125"/>
+            <a:off x="6553200" y="4767263"/>
+            <a:ext cx="2133600" cy="273844"/>
           </a:xfrm>
           <a:prstGeom prst="rect">
             <a:avLst/>
@@ -3081,7 +3081,7 @@
         <p:spPr bwMode="auto">
           <a:xfrm>
             <a:off x="0" y="0"/>
-            <a:ext cx="9144000" cy="6858000"/>
+            <a:ext cx="9144000" cy="5143500"/>
           </a:xfrm>
           <a:prstGeom prst="rect">
             <a:avLst/>
@@ -3101,8 +3101,8 @@
         </p:nvSpPr>
         <p:spPr>
           <a:xfrm>
-            <a:off x="1214414" y="928670"/>
-            <a:ext cx="6786610" cy="4572032"/>
+            <a:off x="1214414" y="357172"/>
+            <a:ext cx="6786610" cy="3429024"/>
           </a:xfrm>
         </p:spPr>
         <p:txBody>
@@ -3259,8 +3259,8 @@
         </p:nvSpPr>
         <p:spPr bwMode="auto">
           <a:xfrm>
-            <a:off x="155575" y="-144463"/>
-            <a:ext cx="304800" cy="304801"/>
+            <a:off x="155575" y="-108347"/>
+            <a:ext cx="304800" cy="228601"/>
           </a:xfrm>
           <a:prstGeom prst="rect">
             <a:avLst/>
@@ -3330,8 +3330,8 @@
         </p:blipFill>
         <p:spPr bwMode="auto">
           <a:xfrm>
-            <a:off x="0" y="0"/>
-            <a:ext cx="9144026" cy="6858000"/>
+            <a:off x="0" y="-142894"/>
+            <a:ext cx="9144026" cy="5143500"/>
           </a:xfrm>
           <a:prstGeom prst="rect">
             <a:avLst/>
@@ -3351,8 +3351,8 @@
         </p:nvSpPr>
         <p:spPr>
           <a:xfrm>
-            <a:off x="1214414" y="785794"/>
-            <a:ext cx="6858048" cy="4853006"/>
+            <a:off x="1142976" y="285734"/>
+            <a:ext cx="6858048" cy="3639755"/>
           </a:xfrm>
         </p:spPr>
         <p:txBody>
@@ -3537,8 +3537,8 @@
         </p:blipFill>
         <p:spPr bwMode="auto">
           <a:xfrm>
-            <a:off x="0" y="0"/>
-            <a:ext cx="9144021" cy="6858000"/>
+            <a:off x="-21" y="-214332"/>
+            <a:ext cx="9144021" cy="5143500"/>
           </a:xfrm>
           <a:prstGeom prst="rect">
             <a:avLst/>
@@ -3558,8 +3558,8 @@
         </p:nvSpPr>
         <p:spPr>
           <a:xfrm>
-            <a:off x="1214414" y="857232"/>
-            <a:ext cx="7143800" cy="4781568"/>
+            <a:off x="1000100" y="214296"/>
+            <a:ext cx="7143800" cy="3586176"/>
           </a:xfrm>
         </p:spPr>
         <p:txBody>
